--- a/Presentation P/KANGYounghoon_3_20191206/제주도내 전통시장과 관광산업의 동시 발전 방향.pptx
+++ b/Presentation P/KANGYounghoon_3_20191206/제주도내 전통시장과 관광산업의 동시 발전 방향.pptx
@@ -136,7 +136,7 @@
 <file path=ppt/charts/chart1.xml><?xml version="1.0" encoding="utf-8"?>
 <c:chartSpace xmlns:c="http://schemas.openxmlformats.org/drawingml/2006/chart" xmlns:a="http://schemas.openxmlformats.org/drawingml/2006/main" xmlns:r="http://schemas.openxmlformats.org/officeDocument/2006/relationships" xmlns:c16r2="http://schemas.microsoft.com/office/drawing/2015/06/chart">
   <c:date1904 val="0"/>
-  <c:lang val="en-US"/>
+  <c:lang val="ko-KR"/>
   <c:roundedCorners val="0"/>
   <mc:AlternateContent xmlns:mc="http://schemas.openxmlformats.org/markup-compatibility/2006">
     <mc:Choice xmlns:c14="http://schemas.microsoft.com/office/drawing/2007/8/2/chart" Requires="c14">
@@ -344,7 +344,7 @@
                 <a:cs typeface="+mn-cs"/>
               </a:defRPr>
             </a:pPr>
-            <a:endParaRPr lang="en-001"/>
+            <a:endParaRPr lang="ko-KR"/>
           </a:p>
         </c:txPr>
         <c:crossAx val="215418991"/>
@@ -403,7 +403,7 @@
                 <a:cs typeface="+mn-cs"/>
               </a:defRPr>
             </a:pPr>
-            <a:endParaRPr lang="en-001"/>
+            <a:endParaRPr lang="ko-KR"/>
           </a:p>
         </c:txPr>
         <c:crossAx val="290729583"/>
@@ -445,7 +445,7 @@
               <a:cs typeface="+mn-cs"/>
             </a:defRPr>
           </a:pPr>
-          <a:endParaRPr lang="en-001"/>
+          <a:endParaRPr lang="ko-KR"/>
         </a:p>
       </c:txPr>
     </c:legend>
@@ -474,7 +474,7 @@
       <a:pPr>
         <a:defRPr/>
       </a:pPr>
-      <a:endParaRPr lang="en-001"/>
+      <a:endParaRPr lang="ko-KR"/>
     </a:p>
   </c:txPr>
   <c:externalData r:id="rId3">
@@ -486,7 +486,7 @@
 <file path=ppt/charts/chart2.xml><?xml version="1.0" encoding="utf-8"?>
 <c:chartSpace xmlns:c="http://schemas.openxmlformats.org/drawingml/2006/chart" xmlns:a="http://schemas.openxmlformats.org/drawingml/2006/main" xmlns:r="http://schemas.openxmlformats.org/officeDocument/2006/relationships" xmlns:c16r2="http://schemas.microsoft.com/office/drawing/2015/06/chart">
   <c:date1904 val="0"/>
-  <c:lang val="en-US"/>
+  <c:lang val="ko-KR"/>
   <c:roundedCorners val="0"/>
   <mc:AlternateContent xmlns:mc="http://schemas.openxmlformats.org/markup-compatibility/2006">
     <mc:Choice xmlns:c14="http://schemas.microsoft.com/office/drawing/2007/8/2/chart" Requires="c14">
@@ -555,7 +555,7 @@
                     <a:cs typeface="+mn-cs"/>
                   </a:defRPr>
                 </a:pPr>
-                <a:endParaRPr lang="en-001"/>
+                <a:endParaRPr lang="ko-KR"/>
               </a:p>
             </c:txPr>
             <c:dLblPos val="inEnd"/>
@@ -685,7 +685,7 @@
                     <a:cs typeface="+mn-cs"/>
                   </a:defRPr>
                 </a:pPr>
-                <a:endParaRPr lang="en-001"/>
+                <a:endParaRPr lang="ko-KR"/>
               </a:p>
             </c:txPr>
             <c:dLblPos val="inEnd"/>
@@ -834,7 +834,7 @@
                     <a:cs typeface="+mn-cs"/>
                   </a:defRPr>
                 </a:pPr>
-                <a:endParaRPr lang="en-001"/>
+                <a:endParaRPr lang="ko-KR"/>
               </a:p>
             </c:txPr>
             <c:showLegendKey val="0"/>
@@ -967,7 +967,7 @@
                 <a:cs typeface="+mn-cs"/>
               </a:defRPr>
             </a:pPr>
-            <a:endParaRPr lang="en-001"/>
+            <a:endParaRPr lang="ko-KR"/>
           </a:p>
         </c:txPr>
         <c:crossAx val="215419823"/>
@@ -1026,7 +1026,7 @@
                 <a:cs typeface="+mn-cs"/>
               </a:defRPr>
             </a:pPr>
-            <a:endParaRPr lang="en-001"/>
+            <a:endParaRPr lang="ko-KR"/>
           </a:p>
         </c:txPr>
         <c:crossAx val="290717983"/>
@@ -1068,7 +1068,7 @@
               <a:cs typeface="+mn-cs"/>
             </a:defRPr>
           </a:pPr>
-          <a:endParaRPr lang="en-001"/>
+          <a:endParaRPr lang="ko-KR"/>
         </a:p>
       </c:txPr>
     </c:legend>
@@ -1097,7 +1097,7 @@
       <a:pPr>
         <a:defRPr/>
       </a:pPr>
-      <a:endParaRPr lang="en-001"/>
+      <a:endParaRPr lang="ko-KR"/>
     </a:p>
   </c:txPr>
   <c:externalData r:id="rId3">
@@ -13636,21 +13636,7 @@
                 <a:latin typeface="배달의민족 한나체 Pro" panose="020B0600000101010101" pitchFamily="50" charset="-127"/>
                 <a:ea typeface="배달의민족 한나체 Pro" panose="020B0600000101010101" pitchFamily="50" charset="-127"/>
               </a:rPr>
-              <a:t>월간 </a:t>
-            </a:r>
-            <a:r>
-              <a:rPr lang="ko-KR" altLang="en-US" dirty="0" err="1">
-                <a:latin typeface="배달의민족 한나체 Pro" panose="020B0600000101010101" pitchFamily="50" charset="-127"/>
-                <a:ea typeface="배달의민족 한나체 Pro" panose="020B0600000101010101" pitchFamily="50" charset="-127"/>
-              </a:rPr>
-              <a:t>입도객별</a:t>
-            </a:r>
-            <a:r>
-              <a:rPr lang="ko-KR" altLang="en-US" dirty="0">
-                <a:latin typeface="배달의민족 한나체 Pro" panose="020B0600000101010101" pitchFamily="50" charset="-127"/>
-                <a:ea typeface="배달의민족 한나체 Pro" panose="020B0600000101010101" pitchFamily="50" charset="-127"/>
-              </a:rPr>
-              <a:t> 전통시장 카드 이용자수</a:t>
+              <a:t>전통시장 카드 이용자수</a:t>
             </a:r>
             <a:endParaRPr lang="en-001" dirty="0">
               <a:latin typeface="배달의민족 한나체 Pro" panose="020B0600000101010101" pitchFamily="50" charset="-127"/>
@@ -13883,32 +13869,25 @@
           <a:lstStyle/>
           <a:p>
             <a:r>
-              <a:rPr lang="en-US" altLang="ko-KR" dirty="0">
+              <a:rPr lang="en-US" altLang="ko-KR">
                 <a:latin typeface="배달의민족 한나체 Pro" panose="020B0600000101010101" pitchFamily="50" charset="-127"/>
                 <a:ea typeface="배달의민족 한나체 Pro" panose="020B0600000101010101" pitchFamily="50" charset="-127"/>
               </a:rPr>
               <a:t>3.3 </a:t>
+            </a:r>
+            <a:r>
+              <a:rPr lang="ko-KR" altLang="en-US">
+                <a:latin typeface="배달의민족 한나체 Pro" panose="020B0600000101010101" pitchFamily="50" charset="-127"/>
+                <a:ea typeface="배달의민족 한나체 Pro" panose="020B0600000101010101" pitchFamily="50" charset="-127"/>
+              </a:rPr>
+              <a:t>전통시장 </a:t>
             </a:r>
             <a:r>
               <a:rPr lang="ko-KR" altLang="en-US" dirty="0">
                 <a:latin typeface="배달의민족 한나체 Pro" panose="020B0600000101010101" pitchFamily="50" charset="-127"/>
                 <a:ea typeface="배달의민족 한나체 Pro" panose="020B0600000101010101" pitchFamily="50" charset="-127"/>
               </a:rPr>
-              <a:t>월간 </a:t>
-            </a:r>
-            <a:r>
-              <a:rPr lang="ko-KR" altLang="en-US" dirty="0" err="1">
-                <a:latin typeface="배달의민족 한나체 Pro" panose="020B0600000101010101" pitchFamily="50" charset="-127"/>
-                <a:ea typeface="배달의민족 한나체 Pro" panose="020B0600000101010101" pitchFamily="50" charset="-127"/>
-              </a:rPr>
-              <a:t>입도객별</a:t>
-            </a:r>
-            <a:r>
-              <a:rPr lang="ko-KR" altLang="en-US" dirty="0">
-                <a:latin typeface="배달의민족 한나체 Pro" panose="020B0600000101010101" pitchFamily="50" charset="-127"/>
-                <a:ea typeface="배달의민족 한나체 Pro" panose="020B0600000101010101" pitchFamily="50" charset="-127"/>
-              </a:rPr>
-              <a:t> 전통시장 카드 이용자수</a:t>
+              <a:t>카드 이용자수</a:t>
             </a:r>
             <a:endParaRPr lang="en-001" dirty="0">
               <a:latin typeface="배달의민족 한나체 Pro" panose="020B0600000101010101" pitchFamily="50" charset="-127"/>
